--- a/02.Java，Web与大数据/.ppt/BE256.pptx
+++ b/02.Java，Web与大数据/.ppt/BE256.pptx
@@ -105,6 +105,11 @@
       </a:defRPr>
     </a:lvl9pPr>
   </p:defaultTextStyle>
+  <p:extLst>
+    <p:ext uri="{EFAFB233-063F-42B5-8137-9DF3F51BA10A}">
+      <p15:sldGuideLst xmlns:p15="http://schemas.microsoft.com/office/powerpoint/2012/main"/>
+    </p:ext>
+  </p:extLst>
 </p:presentation>
 </file>
 
@@ -255,7 +260,7 @@
           <a:p>
             <a:fld id="{F00FCC9E-6114-4492-BE17-B24A62DD4E37}" type="datetimeFigureOut">
               <a:rPr lang="en-US" smtClean="0"/>
-              <a:t>1/15/2020</a:t>
+              <a:t>1/16/2020</a:t>
             </a:fld>
             <a:endParaRPr lang="en-US"/>
           </a:p>
@@ -453,7 +458,7 @@
           <a:p>
             <a:fld id="{F00FCC9E-6114-4492-BE17-B24A62DD4E37}" type="datetimeFigureOut">
               <a:rPr lang="en-US" smtClean="0"/>
-              <a:t>1/15/2020</a:t>
+              <a:t>1/16/2020</a:t>
             </a:fld>
             <a:endParaRPr lang="en-US"/>
           </a:p>
@@ -661,7 +666,7 @@
           <a:p>
             <a:fld id="{F00FCC9E-6114-4492-BE17-B24A62DD4E37}" type="datetimeFigureOut">
               <a:rPr lang="en-US" smtClean="0"/>
-              <a:t>1/15/2020</a:t>
+              <a:t>1/16/2020</a:t>
             </a:fld>
             <a:endParaRPr lang="en-US"/>
           </a:p>
@@ -859,7 +864,7 @@
           <a:p>
             <a:fld id="{F00FCC9E-6114-4492-BE17-B24A62DD4E37}" type="datetimeFigureOut">
               <a:rPr lang="en-US" smtClean="0"/>
-              <a:t>1/15/2020</a:t>
+              <a:t>1/16/2020</a:t>
             </a:fld>
             <a:endParaRPr lang="en-US"/>
           </a:p>
@@ -1134,7 +1139,7 @@
           <a:p>
             <a:fld id="{F00FCC9E-6114-4492-BE17-B24A62DD4E37}" type="datetimeFigureOut">
               <a:rPr lang="en-US" smtClean="0"/>
-              <a:t>1/15/2020</a:t>
+              <a:t>1/16/2020</a:t>
             </a:fld>
             <a:endParaRPr lang="en-US"/>
           </a:p>
@@ -1399,7 +1404,7 @@
           <a:p>
             <a:fld id="{F00FCC9E-6114-4492-BE17-B24A62DD4E37}" type="datetimeFigureOut">
               <a:rPr lang="en-US" smtClean="0"/>
-              <a:t>1/15/2020</a:t>
+              <a:t>1/16/2020</a:t>
             </a:fld>
             <a:endParaRPr lang="en-US"/>
           </a:p>
@@ -1811,7 +1816,7 @@
           <a:p>
             <a:fld id="{F00FCC9E-6114-4492-BE17-B24A62DD4E37}" type="datetimeFigureOut">
               <a:rPr lang="en-US" smtClean="0"/>
-              <a:t>1/15/2020</a:t>
+              <a:t>1/16/2020</a:t>
             </a:fld>
             <a:endParaRPr lang="en-US"/>
           </a:p>
@@ -1952,7 +1957,7 @@
           <a:p>
             <a:fld id="{F00FCC9E-6114-4492-BE17-B24A62DD4E37}" type="datetimeFigureOut">
               <a:rPr lang="en-US" smtClean="0"/>
-              <a:t>1/15/2020</a:t>
+              <a:t>1/16/2020</a:t>
             </a:fld>
             <a:endParaRPr lang="en-US"/>
           </a:p>
@@ -2065,7 +2070,7 @@
           <a:p>
             <a:fld id="{F00FCC9E-6114-4492-BE17-B24A62DD4E37}" type="datetimeFigureOut">
               <a:rPr lang="en-US" smtClean="0"/>
-              <a:t>1/15/2020</a:t>
+              <a:t>1/16/2020</a:t>
             </a:fld>
             <a:endParaRPr lang="en-US"/>
           </a:p>
@@ -2376,7 +2381,7 @@
           <a:p>
             <a:fld id="{F00FCC9E-6114-4492-BE17-B24A62DD4E37}" type="datetimeFigureOut">
               <a:rPr lang="en-US" smtClean="0"/>
-              <a:t>1/15/2020</a:t>
+              <a:t>1/16/2020</a:t>
             </a:fld>
             <a:endParaRPr lang="en-US"/>
           </a:p>
@@ -2664,7 +2669,7 @@
           <a:p>
             <a:fld id="{F00FCC9E-6114-4492-BE17-B24A62DD4E37}" type="datetimeFigureOut">
               <a:rPr lang="en-US" smtClean="0"/>
-              <a:t>1/15/2020</a:t>
+              <a:t>1/16/2020</a:t>
             </a:fld>
             <a:endParaRPr lang="en-US"/>
           </a:p>
@@ -2905,7 +2910,7 @@
           <a:p>
             <a:fld id="{F00FCC9E-6114-4492-BE17-B24A62DD4E37}" type="datetimeFigureOut">
               <a:rPr lang="en-US" smtClean="0"/>
-              <a:t>1/15/2020</a:t>
+              <a:t>1/16/2020</a:t>
             </a:fld>
             <a:endParaRPr lang="en-US"/>
           </a:p>
@@ -3336,7 +3341,7 @@
         </p:nvSpPr>
         <p:spPr>
           <a:xfrm>
-            <a:off x="2290917" y="1777114"/>
+            <a:off x="1730477" y="1575227"/>
             <a:ext cx="1317990" cy="769441"/>
           </a:xfrm>
           <a:prstGeom prst="rect">
@@ -3456,8 +3461,8 @@
         </p:nvSpPr>
         <p:spPr>
           <a:xfrm>
-            <a:off x="6759676" y="2854332"/>
-            <a:ext cx="2797561" cy="461665"/>
+            <a:off x="5958152" y="2748443"/>
+            <a:ext cx="4493538" cy="461665"/>
           </a:xfrm>
           <a:prstGeom prst="rect">
             <a:avLst/>
@@ -3478,17 +3483,7 @@
                 <a:latin typeface="+mj-ea"/>
                 <a:ea typeface="+mj-ea"/>
               </a:rPr>
-              <a:t>后端工程师</a:t>
-            </a:r>
-            <a:r>
-              <a:rPr lang="en-US" altLang="zh-CN" sz="2400" dirty="0">
-                <a:solidFill>
-                  <a:srgbClr val="FF0000"/>
-                </a:solidFill>
-                <a:latin typeface="+mj-ea"/>
-                <a:ea typeface="+mj-ea"/>
-              </a:rPr>
-              <a:t>Timeline</a:t>
+              <a:t>时代背景下百花争鸣的开源生态</a:t>
             </a:r>
             <a:endParaRPr lang="en-US" sz="2400" dirty="0">
               <a:solidFill>
@@ -3514,7 +3509,7 @@
         </p:nvSpPr>
         <p:spPr>
           <a:xfrm>
-            <a:off x="9960850" y="4662881"/>
+            <a:off x="9960850" y="5282313"/>
             <a:ext cx="490840" cy="461665"/>
           </a:xfrm>
           <a:prstGeom prst="rect">
